--- a/archer/Conclusion.pptx
+++ b/archer/Conclusion.pptx
@@ -8731,7 +8731,7 @@
     <mc:Choice Requires="p14">
       <p:transition spd="slow" p14:dur="2000"/>
     </mc:Choice>
-    <mc:Fallback xmlns="" xmlns:mv="urn:schemas-microsoft-com:mac:vml">
+    <mc:Fallback xmlns:mv="urn:schemas-microsoft-com:mac:vml" xmlns="">
       <p:transition spd="slow"/>
     </mc:Fallback>
   </mc:AlternateContent>
@@ -11553,7 +11553,15 @@
             </a:pPr>
             <a:r>
               <a:rPr lang="en-GB" sz="3600" dirty="0" smtClean="0"/>
-              <a:t>What did you think of this boot camp?</a:t>
+              <a:t>What did you think of this </a:t>
+            </a:r>
+            <a:r>
+              <a:rPr lang="en-GB" sz="3600" dirty="0" err="1" smtClean="0"/>
+              <a:t>bootcamp</a:t>
+            </a:r>
+            <a:r>
+              <a:rPr lang="en-GB" sz="3600" dirty="0" smtClean="0"/>
+              <a:t>?</a:t>
             </a:r>
             <a:endParaRPr lang="en-GB" sz="3600" dirty="0"/>
           </a:p>

--- a/archer/Conclusion.pptx
+++ b/archer/Conclusion.pptx
@@ -7,10 +7,10 @@
     <p:sldMasterId id="2147483833" r:id="rId3"/>
   </p:sldMasterIdLst>
   <p:notesMasterIdLst>
-    <p:notesMasterId r:id="rId19"/>
+    <p:notesMasterId r:id="rId18"/>
   </p:notesMasterIdLst>
   <p:handoutMasterIdLst>
-    <p:handoutMasterId r:id="rId20"/>
+    <p:handoutMasterId r:id="rId19"/>
   </p:handoutMasterIdLst>
   <p:sldIdLst>
     <p:sldId id="256" r:id="rId4"/>
@@ -20,14 +20,13 @@
     <p:sldId id="302" r:id="rId8"/>
     <p:sldId id="303" r:id="rId9"/>
     <p:sldId id="304" r:id="rId10"/>
-    <p:sldId id="305" r:id="rId11"/>
-    <p:sldId id="306" r:id="rId12"/>
-    <p:sldId id="307" r:id="rId13"/>
-    <p:sldId id="308" r:id="rId14"/>
-    <p:sldId id="309" r:id="rId15"/>
-    <p:sldId id="310" r:id="rId16"/>
-    <p:sldId id="311" r:id="rId17"/>
-    <p:sldId id="313" r:id="rId18"/>
+    <p:sldId id="306" r:id="rId11"/>
+    <p:sldId id="307" r:id="rId12"/>
+    <p:sldId id="308" r:id="rId13"/>
+    <p:sldId id="309" r:id="rId14"/>
+    <p:sldId id="310" r:id="rId15"/>
+    <p:sldId id="311" r:id="rId16"/>
+    <p:sldId id="313" r:id="rId17"/>
   </p:sldIdLst>
   <p:sldSz cx="9144000" cy="6858000" type="screen4x3"/>
   <p:notesSz cx="6858000" cy="9144000"/>
@@ -138,7 +137,6 @@
             <p14:sldId id="302"/>
             <p14:sldId id="303"/>
             <p14:sldId id="304"/>
-            <p14:sldId id="305"/>
             <p14:sldId id="306"/>
             <p14:sldId id="307"/>
             <p14:sldId id="308"/>
@@ -236,7 +234,7 @@
           <a:p>
             <a:fld id="{3724E0C8-CEB3-4512-94BB-DFCE9513899D}" type="datetimeFigureOut">
               <a:rPr lang="en-GB" smtClean="0"/>
-              <a:t>20/08/2014</a:t>
+              <a:t>17/09/2014</a:t>
             </a:fld>
             <a:endParaRPr lang="en-GB"/>
           </a:p>
@@ -401,7 +399,7 @@
           <a:p>
             <a:fld id="{2FB04699-2E7A-DC4A-A93D-A72983F9537E}" type="datetimeFigureOut">
               <a:rPr lang="en-US" smtClean="0"/>
-              <a:t>8/20/2014</a:t>
+              <a:t>9/17/2014</a:t>
             </a:fld>
             <a:endParaRPr lang="en-US"/>
           </a:p>
@@ -1636,7 +1634,7 @@
             <a:fld id="{BC4308F6-7504-405D-B1BC-57B75797A76A}" type="slidenum">
               <a:rPr lang="en-GB" smtClean="0"/>
               <a:pPr/>
-              <a:t>11</a:t>
+              <a:t>10</a:t>
             </a:fld>
             <a:endParaRPr lang="en-GB"/>
           </a:p>
@@ -1725,7 +1723,7 @@
                 </a:solidFill>
               </a:rPr>
               <a:pPr/>
-              <a:t>14</a:t>
+              <a:t>13</a:t>
             </a:fld>
             <a:endParaRPr lang="en-US">
               <a:solidFill>
@@ -1818,7 +1816,7 @@
                 </a:solidFill>
               </a:rPr>
               <a:pPr/>
-              <a:t>15</a:t>
+              <a:t>14</a:t>
             </a:fld>
             <a:endParaRPr lang="en-GB">
               <a:solidFill>
@@ -2022,7 +2020,7 @@
           <a:p>
             <a:fld id="{3E8CEB70-C80E-1048-86BD-76ABBAA6B3F4}" type="datetimeFigureOut">
               <a:rPr lang="en-US" smtClean="0"/>
-              <a:t>8/20/2014</a:t>
+              <a:t>9/17/2014</a:t>
             </a:fld>
             <a:endParaRPr lang="en-US"/>
           </a:p>
@@ -2192,7 +2190,7 @@
           <a:p>
             <a:fld id="{3E8CEB70-C80E-1048-86BD-76ABBAA6B3F4}" type="datetimeFigureOut">
               <a:rPr lang="en-US" smtClean="0"/>
-              <a:t>8/20/2014</a:t>
+              <a:t>9/17/2014</a:t>
             </a:fld>
             <a:endParaRPr lang="en-US"/>
           </a:p>
@@ -2372,7 +2370,7 @@
           <a:p>
             <a:fld id="{3E8CEB70-C80E-1048-86BD-76ABBAA6B3F4}" type="datetimeFigureOut">
               <a:rPr lang="en-US" smtClean="0"/>
-              <a:t>8/20/2014</a:t>
+              <a:t>9/17/2014</a:t>
             </a:fld>
             <a:endParaRPr lang="en-US"/>
           </a:p>
@@ -3497,7 +3495,7 @@
           <a:p>
             <a:fld id="{3E8CEB70-C80E-1048-86BD-76ABBAA6B3F4}" type="datetimeFigureOut">
               <a:rPr lang="en-US" smtClean="0"/>
-              <a:t>8/20/2014</a:t>
+              <a:t>9/17/2014</a:t>
             </a:fld>
             <a:endParaRPr lang="en-US"/>
           </a:p>
@@ -3743,7 +3741,7 @@
           <a:p>
             <a:fld id="{3E8CEB70-C80E-1048-86BD-76ABBAA6B3F4}" type="datetimeFigureOut">
               <a:rPr lang="en-US" smtClean="0"/>
-              <a:t>8/20/2014</a:t>
+              <a:t>9/17/2014</a:t>
             </a:fld>
             <a:endParaRPr lang="en-US"/>
           </a:p>
@@ -4031,7 +4029,7 @@
           <a:p>
             <a:fld id="{3E8CEB70-C80E-1048-86BD-76ABBAA6B3F4}" type="datetimeFigureOut">
               <a:rPr lang="en-US" smtClean="0"/>
-              <a:t>8/20/2014</a:t>
+              <a:t>9/17/2014</a:t>
             </a:fld>
             <a:endParaRPr lang="en-US"/>
           </a:p>
@@ -4453,7 +4451,7 @@
           <a:p>
             <a:fld id="{3E8CEB70-C80E-1048-86BD-76ABBAA6B3F4}" type="datetimeFigureOut">
               <a:rPr lang="en-US" smtClean="0"/>
-              <a:t>8/20/2014</a:t>
+              <a:t>9/17/2014</a:t>
             </a:fld>
             <a:endParaRPr lang="en-US"/>
           </a:p>
@@ -4571,7 +4569,7 @@
           <a:p>
             <a:fld id="{3E8CEB70-C80E-1048-86BD-76ABBAA6B3F4}" type="datetimeFigureOut">
               <a:rPr lang="en-US" smtClean="0"/>
-              <a:t>8/20/2014</a:t>
+              <a:t>9/17/2014</a:t>
             </a:fld>
             <a:endParaRPr lang="en-US"/>
           </a:p>
@@ -4666,7 +4664,7 @@
           <a:p>
             <a:fld id="{3E8CEB70-C80E-1048-86BD-76ABBAA6B3F4}" type="datetimeFigureOut">
               <a:rPr lang="en-US" smtClean="0"/>
-              <a:t>8/20/2014</a:t>
+              <a:t>9/17/2014</a:t>
             </a:fld>
             <a:endParaRPr lang="en-US"/>
           </a:p>
@@ -4943,7 +4941,7 @@
           <a:p>
             <a:fld id="{3E8CEB70-C80E-1048-86BD-76ABBAA6B3F4}" type="datetimeFigureOut">
               <a:rPr lang="en-US" smtClean="0"/>
-              <a:t>8/20/2014</a:t>
+              <a:t>9/17/2014</a:t>
             </a:fld>
             <a:endParaRPr lang="en-US"/>
           </a:p>
@@ -5196,7 +5194,7 @@
           <a:p>
             <a:fld id="{3E8CEB70-C80E-1048-86BD-76ABBAA6B3F4}" type="datetimeFigureOut">
               <a:rPr lang="en-US" smtClean="0"/>
-              <a:t>8/20/2014</a:t>
+              <a:t>9/17/2014</a:t>
             </a:fld>
             <a:endParaRPr lang="en-US"/>
           </a:p>
@@ -5409,7 +5407,7 @@
           <a:p>
             <a:fld id="{3E8CEB70-C80E-1048-86BD-76ABBAA6B3F4}" type="datetimeFigureOut">
               <a:rPr lang="en-US" smtClean="0"/>
-              <a:t>8/20/2014</a:t>
+              <a:t>9/17/2014</a:t>
             </a:fld>
             <a:endParaRPr lang="en-US"/>
           </a:p>
@@ -7133,219 +7131,6 @@
           <a:lstStyle/>
           <a:p>
             <a:r>
-              <a:rPr lang="en-GB" dirty="0" smtClean="0"/>
-              <a:t>Support and Documentation</a:t>
-            </a:r>
-            <a:endParaRPr lang="en-GB" dirty="0"/>
-          </a:p>
-        </p:txBody>
-      </p:sp>
-      <p:sp>
-        <p:nvSpPr>
-          <p:cNvPr id="3" name="Content Placeholder 2"/>
-          <p:cNvSpPr>
-            <a:spLocks noGrp="1"/>
-          </p:cNvSpPr>
-          <p:nvPr>
-            <p:ph idx="1"/>
-          </p:nvPr>
-        </p:nvSpPr>
-        <p:spPr>
-          <a:xfrm>
-            <a:off x="457200" y="1600200"/>
-            <a:ext cx="8229600" cy="4267200"/>
-          </a:xfrm>
-        </p:spPr>
-        <p:txBody>
-          <a:bodyPr>
-            <a:normAutofit/>
-          </a:bodyPr>
-          <a:lstStyle/>
-          <a:p>
-            <a:r>
-              <a:rPr lang="en-GB" dirty="0"/>
-              <a:t>Helpdesk</a:t>
-            </a:r>
-          </a:p>
-          <a:p>
-            <a:pPr lvl="1"/>
-            <a:r>
-              <a:rPr lang="en-GB" dirty="0"/>
-              <a:t>Email </a:t>
-            </a:r>
-            <a:r>
-              <a:rPr lang="en-GB" dirty="0">
-                <a:hlinkClick r:id="rId2"/>
-              </a:rPr>
-              <a:t>support@archer.ac.uk</a:t>
-            </a:r>
-            <a:endParaRPr lang="en-GB" dirty="0"/>
-          </a:p>
-          <a:p>
-            <a:pPr lvl="1"/>
-            <a:r>
-              <a:rPr lang="en-GB" dirty="0"/>
-              <a:t>via ARCHER SAFE </a:t>
-            </a:r>
-            <a:r>
-              <a:rPr lang="en-GB" dirty="0">
-                <a:hlinkClick r:id="rId3"/>
-              </a:rPr>
-              <a:t>http://www.archer.ac.uk/safe</a:t>
-            </a:r>
-            <a:endParaRPr lang="en-GB" dirty="0"/>
-          </a:p>
-          <a:p>
-            <a:pPr lvl="1"/>
-            <a:r>
-              <a:rPr lang="en-GB" dirty="0"/>
-              <a:t>phone: +44 (0)131 650 5000</a:t>
-            </a:r>
-          </a:p>
-          <a:p>
-            <a:pPr lvl="1">
-              <a:lnSpc>
-                <a:spcPct val="120000"/>
-              </a:lnSpc>
-            </a:pPr>
-            <a:r>
-              <a:rPr lang="en-GB" dirty="0"/>
-              <a:t>By post, to: Liz </a:t>
-            </a:r>
-            <a:r>
-              <a:rPr lang="en-GB" dirty="0" err="1"/>
-              <a:t>Sim</a:t>
-            </a:r>
-            <a:r>
-              <a:rPr lang="en-GB" dirty="0"/>
-              <a:t/>
-            </a:r>
-            <a:br>
-              <a:rPr lang="en-GB" dirty="0"/>
-            </a:br>
-            <a:r>
-              <a:rPr lang="en-GB" dirty="0" smtClean="0"/>
-              <a:t>EPCC, University </a:t>
-            </a:r>
-            <a:r>
-              <a:rPr lang="en-GB" dirty="0"/>
-              <a:t>of Edinburgh</a:t>
-            </a:r>
-            <a:br>
-              <a:rPr lang="en-GB" dirty="0"/>
-            </a:br>
-            <a:r>
-              <a:rPr lang="en-GB" dirty="0" smtClean="0"/>
-              <a:t>JCMB, The </a:t>
-            </a:r>
-            <a:r>
-              <a:rPr lang="en-GB" dirty="0"/>
-              <a:t>King's Buildings</a:t>
-            </a:r>
-            <a:br>
-              <a:rPr lang="en-GB" dirty="0"/>
-            </a:br>
-            <a:r>
-              <a:rPr lang="en-GB" dirty="0"/>
-              <a:t>Mayfield </a:t>
-            </a:r>
-            <a:r>
-              <a:rPr lang="en-GB" dirty="0" smtClean="0"/>
-              <a:t>Road, EDINBURGH, EH9 3JZ</a:t>
-            </a:r>
-            <a:endParaRPr lang="en-GB" dirty="0"/>
-          </a:p>
-          <a:p>
-            <a:r>
-              <a:rPr lang="en-GB" dirty="0">
-                <a:hlinkClick r:id="rId4"/>
-              </a:rPr>
-              <a:t>http://</a:t>
-            </a:r>
-            <a:r>
-              <a:rPr lang="en-GB" dirty="0" smtClean="0">
-                <a:hlinkClick r:id="rId4"/>
-              </a:rPr>
-              <a:t>www.archer.ac.uk/community/techforum/</a:t>
-            </a:r>
-            <a:endParaRPr lang="en-GB" dirty="0" smtClean="0"/>
-          </a:p>
-          <a:p>
-            <a:r>
-              <a:rPr lang="en-GB" dirty="0">
-                <a:hlinkClick r:id="rId5"/>
-              </a:rPr>
-              <a:t>http://www.archer.ac.uk/documentation</a:t>
-            </a:r>
-            <a:r>
-              <a:rPr lang="en-GB" dirty="0" smtClean="0">
-                <a:hlinkClick r:id="rId5"/>
-              </a:rPr>
-              <a:t>/</a:t>
-            </a:r>
-            <a:endParaRPr lang="en-GB" dirty="0" smtClean="0"/>
-          </a:p>
-          <a:p>
-            <a:pPr marL="0" indent="0">
-              <a:buNone/>
-            </a:pPr>
-            <a:endParaRPr lang="en-GB" dirty="0" smtClean="0"/>
-          </a:p>
-        </p:txBody>
-      </p:sp>
-    </p:spTree>
-    <p:extLst>
-      <p:ext uri="{BB962C8B-B14F-4D97-AF65-F5344CB8AC3E}">
-        <p14:creationId xmlns:p14="http://schemas.microsoft.com/office/powerpoint/2010/main" val="2148354477"/>
-      </p:ext>
-    </p:extLst>
-  </p:cSld>
-  <p:clrMapOvr>
-    <a:masterClrMapping/>
-  </p:clrMapOvr>
-  <p:timing>
-    <p:tnLst>
-      <p:par>
-        <p:cTn id="1" dur="indefinite" restart="never" nodeType="tmRoot"/>
-      </p:par>
-    </p:tnLst>
-  </p:timing>
-</p:sld>
-</file>
-
-<file path=ppt/slides/slide11.xml><?xml version="1.0" encoding="utf-8"?>
-<p:sld xmlns:a="http://schemas.openxmlformats.org/drawingml/2006/main" xmlns:r="http://schemas.openxmlformats.org/officeDocument/2006/relationships" xmlns:p="http://schemas.openxmlformats.org/presentationml/2006/main">
-  <p:cSld>
-    <p:spTree>
-      <p:nvGrpSpPr>
-        <p:cNvPr id="1" name=""/>
-        <p:cNvGrpSpPr/>
-        <p:nvPr/>
-      </p:nvGrpSpPr>
-      <p:grpSpPr>
-        <a:xfrm>
-          <a:off x="0" y="0"/>
-          <a:ext cx="0" cy="0"/>
-          <a:chOff x="0" y="0"/>
-          <a:chExt cx="0" cy="0"/>
-        </a:xfrm>
-      </p:grpSpPr>
-      <p:sp>
-        <p:nvSpPr>
-          <p:cNvPr id="2" name="Title 1"/>
-          <p:cNvSpPr>
-            <a:spLocks noGrp="1"/>
-          </p:cNvSpPr>
-          <p:nvPr>
-            <p:ph type="title"/>
-          </p:nvPr>
-        </p:nvSpPr>
-        <p:spPr/>
-        <p:txBody>
-          <a:bodyPr/>
-          <a:lstStyle/>
-          <a:p>
-            <a:r>
               <a:rPr lang="en-US" dirty="0" smtClean="0"/>
               <a:t>Training opportunities</a:t>
             </a:r>
@@ -7552,7 +7337,7 @@
 </p:sld>
 </file>
 
-<file path=ppt/slides/slide12.xml><?xml version="1.0" encoding="utf-8"?>
+<file path=ppt/slides/slide11.xml><?xml version="1.0" encoding="utf-8"?>
 <p:sld xmlns:a="http://schemas.openxmlformats.org/drawingml/2006/main" xmlns:r="http://schemas.openxmlformats.org/officeDocument/2006/relationships" xmlns:p="http://schemas.openxmlformats.org/presentationml/2006/main">
   <p:cSld>
     <p:spTree>
@@ -7710,7 +7495,7 @@
 </p:sld>
 </file>
 
-<file path=ppt/slides/slide13.xml><?xml version="1.0" encoding="utf-8"?>
+<file path=ppt/slides/slide12.xml><?xml version="1.0" encoding="utf-8"?>
 <p:sld xmlns:a="http://schemas.openxmlformats.org/drawingml/2006/main" xmlns:r="http://schemas.openxmlformats.org/officeDocument/2006/relationships" xmlns:p="http://schemas.openxmlformats.org/presentationml/2006/main">
   <p:cSld>
     <p:spTree>
@@ -8285,7 +8070,7 @@
 </p:sld>
 </file>
 
-<file path=ppt/slides/slide14.xml><?xml version="1.0" encoding="utf-8"?>
+<file path=ppt/slides/slide13.xml><?xml version="1.0" encoding="utf-8"?>
 <p:sld xmlns:a="http://schemas.openxmlformats.org/drawingml/2006/main" xmlns:r="http://schemas.openxmlformats.org/officeDocument/2006/relationships" xmlns:p="http://schemas.openxmlformats.org/presentationml/2006/main">
   <p:cSld>
     <p:spTree>
@@ -8731,7 +8516,7 @@
     <mc:Choice Requires="p14">
       <p:transition spd="slow" p14:dur="2000"/>
     </mc:Choice>
-    <mc:Fallback xmlns:mv="urn:schemas-microsoft-com:mac:vml" xmlns="">
+    <mc:Fallback xmlns="" xmlns:mv="urn:schemas-microsoft-com:mac:vml">
       <p:transition spd="slow"/>
     </mc:Fallback>
   </mc:AlternateContent>
@@ -8745,7 +8530,7 @@
 </p:sld>
 </file>
 
-<file path=ppt/slides/slide15.xml><?xml version="1.0" encoding="utf-8"?>
+<file path=ppt/slides/slide14.xml><?xml version="1.0" encoding="utf-8"?>
 <p:sld xmlns:a="http://schemas.openxmlformats.org/drawingml/2006/main" xmlns:r="http://schemas.openxmlformats.org/officeDocument/2006/relationships" xmlns:p="http://schemas.openxmlformats.org/presentationml/2006/main">
   <p:cSld>
     <p:spTree>
@@ -11525,45 +11310,110 @@
         <p:spPr/>
         <p:txBody>
           <a:bodyPr>
-            <a:normAutofit/>
+            <a:noAutofit/>
           </a:bodyPr>
           <a:lstStyle/>
           <a:p>
             <a:pPr marL="0" indent="0" algn="ctr">
               <a:buNone/>
             </a:pPr>
-            <a:endParaRPr lang="en-GB" sz="3600" dirty="0" smtClean="0"/>
+            <a:r>
+              <a:rPr lang="en-GB" sz="2800" dirty="0" smtClean="0"/>
+              <a:t>What </a:t>
+            </a:r>
+            <a:r>
+              <a:rPr lang="en-GB" sz="2800" dirty="0" smtClean="0"/>
+              <a:t>did you think of this </a:t>
+            </a:r>
+            <a:r>
+              <a:rPr lang="en-GB" sz="2800" dirty="0" err="1" smtClean="0"/>
+              <a:t>bootcamp</a:t>
+            </a:r>
+            <a:r>
+              <a:rPr lang="en-GB" sz="2800" dirty="0" smtClean="0"/>
+              <a:t>?</a:t>
+            </a:r>
+          </a:p>
+          <a:p>
+            <a:endParaRPr lang="en-GB" sz="2800" dirty="0"/>
+          </a:p>
+          <a:p>
+            <a:r>
+              <a:rPr lang="en-GB" sz="2800" dirty="0">
+                <a:hlinkClick r:id="rId3"/>
+              </a:rPr>
+              <a:t>http://www.archer.ac.uk/training/feedback</a:t>
+            </a:r>
+            <a:r>
+              <a:rPr lang="en-GB" sz="2800" dirty="0" smtClean="0">
+                <a:hlinkClick r:id="rId3"/>
+              </a:rPr>
+              <a:t>/</a:t>
+            </a:r>
+            <a:endParaRPr lang="en-GB" sz="2800" dirty="0" smtClean="0"/>
+          </a:p>
+          <a:p>
+            <a:r>
+              <a:rPr lang="en-GB" sz="2800" dirty="0" smtClean="0"/>
+              <a:t>Sticky Notes:</a:t>
+            </a:r>
+          </a:p>
+          <a:p>
+            <a:pPr lvl="1"/>
+            <a:r>
+              <a:rPr lang="en-GB" sz="2400" dirty="0" smtClean="0"/>
+              <a:t>One </a:t>
+            </a:r>
+            <a:r>
+              <a:rPr lang="en-GB" sz="2400" dirty="0"/>
+              <a:t>good point on green - learned, enjoyed</a:t>
+            </a:r>
+          </a:p>
+          <a:p>
+            <a:pPr lvl="1"/>
+            <a:r>
+              <a:rPr lang="en-GB" sz="2400" dirty="0"/>
+              <a:t>One bad point on red - confused, bothered</a:t>
+            </a:r>
+          </a:p>
+          <a:p>
+            <a:r>
+              <a:rPr lang="en-GB" sz="2800" dirty="0" smtClean="0"/>
+              <a:t>Optional post-course questionnaire:</a:t>
+            </a:r>
+            <a:endParaRPr lang="en-GB" sz="2800" dirty="0"/>
+          </a:p>
+          <a:p>
+            <a:pPr lvl="1"/>
+            <a:r>
+              <a:rPr lang="en-GB" sz="2400" dirty="0">
+                <a:hlinkClick r:id="rId4"/>
+              </a:rPr>
+              <a:t>http://</a:t>
+            </a:r>
+            <a:r>
+              <a:rPr lang="en-GB" sz="2400" dirty="0" smtClean="0">
+                <a:hlinkClick r:id="rId4"/>
+              </a:rPr>
+              <a:t>tinyurl.com/2014-09-16-imperial-post</a:t>
+            </a:r>
+            <a:r>
+              <a:rPr lang="en-GB" sz="2400" dirty="0" smtClean="0"/>
+              <a:t> </a:t>
+            </a:r>
+            <a:endParaRPr lang="en-GB" sz="2400" dirty="0"/>
           </a:p>
           <a:p>
             <a:pPr marL="0" indent="0" algn="ctr">
               <a:buNone/>
             </a:pPr>
-            <a:r>
-              <a:rPr lang="en-GB" sz="3600" dirty="0" smtClean="0"/>
-              <a:t>Not just for software!</a:t>
-            </a:r>
-          </a:p>
-          <a:p>
-            <a:pPr algn="ctr"/>
-            <a:endParaRPr lang="en-GB" sz="3600" dirty="0"/>
+            <a:endParaRPr lang="en-GB" sz="2800" dirty="0"/>
           </a:p>
           <a:p>
             <a:pPr marL="0" indent="0" algn="ctr">
               <a:buNone/>
             </a:pPr>
-            <a:r>
-              <a:rPr lang="en-GB" sz="3600" dirty="0" smtClean="0"/>
-              <a:t>What did you think of this </a:t>
-            </a:r>
-            <a:r>
-              <a:rPr lang="en-GB" sz="3600" dirty="0" err="1" smtClean="0"/>
-              <a:t>bootcamp</a:t>
-            </a:r>
-            <a:r>
-              <a:rPr lang="en-GB" sz="3600" dirty="0" smtClean="0"/>
-              <a:t>?</a:t>
-            </a:r>
-            <a:endParaRPr lang="en-GB" sz="3600" dirty="0"/>
+            <a:endParaRPr lang="en-GB" sz="2800" dirty="0"/>
           </a:p>
         </p:txBody>
       </p:sp>
@@ -11613,7 +11463,7 @@
                                         <p:tgtEl>
                                           <p:spTgt spid="3">
                                             <p:txEl>
-                                              <p:pRg st="1" end="1"/>
+                                              <p:pRg st="0" end="0"/>
                                             </p:txEl>
                                           </p:spTgt>
                                         </p:tgtEl>
@@ -11644,7 +11494,234 @@
                                         <p:tgtEl>
                                           <p:spTgt spid="3">
                                             <p:txEl>
+                                              <p:pRg st="2" end="2"/>
+                                            </p:txEl>
+                                          </p:spTgt>
+                                        </p:tgtEl>
+                                        <p:attrNameLst>
+                                          <p:attrName>style.visibility</p:attrName>
+                                        </p:attrNameLst>
+                                      </p:cBhvr>
+                                      <p:to>
+                                        <p:strVal val="visible"/>
+                                      </p:to>
+                                    </p:set>
+                                  </p:childTnLst>
+                                </p:cTn>
+                              </p:par>
+                            </p:childTnLst>
+                          </p:cTn>
+                        </p:par>
+                      </p:childTnLst>
+                    </p:cTn>
+                  </p:par>
+                  <p:par>
+                    <p:cTn id="9" fill="hold">
+                      <p:stCondLst>
+                        <p:cond delay="indefinite"/>
+                      </p:stCondLst>
+                      <p:childTnLst>
+                        <p:par>
+                          <p:cTn id="10" fill="hold">
+                            <p:stCondLst>
+                              <p:cond delay="0"/>
+                            </p:stCondLst>
+                            <p:childTnLst>
+                              <p:par>
+                                <p:cTn id="11" presetID="1" presetClass="entr" presetSubtype="0" fill="hold" nodeType="clickEffect">
+                                  <p:stCondLst>
+                                    <p:cond delay="0"/>
+                                  </p:stCondLst>
+                                  <p:childTnLst>
+                                    <p:set>
+                                      <p:cBhvr>
+                                        <p:cTn id="12" dur="1" fill="hold">
+                                          <p:stCondLst>
+                                            <p:cond delay="0"/>
+                                          </p:stCondLst>
+                                        </p:cTn>
+                                        <p:tgtEl>
+                                          <p:spTgt spid="3">
+                                            <p:txEl>
                                               <p:pRg st="3" end="3"/>
+                                            </p:txEl>
+                                          </p:spTgt>
+                                        </p:tgtEl>
+                                        <p:attrNameLst>
+                                          <p:attrName>style.visibility</p:attrName>
+                                        </p:attrNameLst>
+                                      </p:cBhvr>
+                                      <p:to>
+                                        <p:strVal val="visible"/>
+                                      </p:to>
+                                    </p:set>
+                                  </p:childTnLst>
+                                </p:cTn>
+                              </p:par>
+                            </p:childTnLst>
+                          </p:cTn>
+                        </p:par>
+                      </p:childTnLst>
+                    </p:cTn>
+                  </p:par>
+                  <p:par>
+                    <p:cTn id="13" fill="hold">
+                      <p:stCondLst>
+                        <p:cond delay="indefinite"/>
+                      </p:stCondLst>
+                      <p:childTnLst>
+                        <p:par>
+                          <p:cTn id="14" fill="hold">
+                            <p:stCondLst>
+                              <p:cond delay="0"/>
+                            </p:stCondLst>
+                            <p:childTnLst>
+                              <p:par>
+                                <p:cTn id="15" presetID="1" presetClass="entr" presetSubtype="0" fill="hold" nodeType="clickEffect">
+                                  <p:stCondLst>
+                                    <p:cond delay="0"/>
+                                  </p:stCondLst>
+                                  <p:childTnLst>
+                                    <p:set>
+                                      <p:cBhvr>
+                                        <p:cTn id="16" dur="1" fill="hold">
+                                          <p:stCondLst>
+                                            <p:cond delay="0"/>
+                                          </p:stCondLst>
+                                        </p:cTn>
+                                        <p:tgtEl>
+                                          <p:spTgt spid="3">
+                                            <p:txEl>
+                                              <p:pRg st="4" end="4"/>
+                                            </p:txEl>
+                                          </p:spTgt>
+                                        </p:tgtEl>
+                                        <p:attrNameLst>
+                                          <p:attrName>style.visibility</p:attrName>
+                                        </p:attrNameLst>
+                                      </p:cBhvr>
+                                      <p:to>
+                                        <p:strVal val="visible"/>
+                                      </p:to>
+                                    </p:set>
+                                  </p:childTnLst>
+                                </p:cTn>
+                              </p:par>
+                            </p:childTnLst>
+                          </p:cTn>
+                        </p:par>
+                      </p:childTnLst>
+                    </p:cTn>
+                  </p:par>
+                  <p:par>
+                    <p:cTn id="17" fill="hold">
+                      <p:stCondLst>
+                        <p:cond delay="indefinite"/>
+                      </p:stCondLst>
+                      <p:childTnLst>
+                        <p:par>
+                          <p:cTn id="18" fill="hold">
+                            <p:stCondLst>
+                              <p:cond delay="0"/>
+                            </p:stCondLst>
+                            <p:childTnLst>
+                              <p:par>
+                                <p:cTn id="19" presetID="1" presetClass="entr" presetSubtype="0" fill="hold" nodeType="clickEffect">
+                                  <p:stCondLst>
+                                    <p:cond delay="0"/>
+                                  </p:stCondLst>
+                                  <p:childTnLst>
+                                    <p:set>
+                                      <p:cBhvr>
+                                        <p:cTn id="20" dur="1" fill="hold">
+                                          <p:stCondLst>
+                                            <p:cond delay="0"/>
+                                          </p:stCondLst>
+                                        </p:cTn>
+                                        <p:tgtEl>
+                                          <p:spTgt spid="3">
+                                            <p:txEl>
+                                              <p:pRg st="5" end="5"/>
+                                            </p:txEl>
+                                          </p:spTgt>
+                                        </p:tgtEl>
+                                        <p:attrNameLst>
+                                          <p:attrName>style.visibility</p:attrName>
+                                        </p:attrNameLst>
+                                      </p:cBhvr>
+                                      <p:to>
+                                        <p:strVal val="visible"/>
+                                      </p:to>
+                                    </p:set>
+                                  </p:childTnLst>
+                                </p:cTn>
+                              </p:par>
+                            </p:childTnLst>
+                          </p:cTn>
+                        </p:par>
+                      </p:childTnLst>
+                    </p:cTn>
+                  </p:par>
+                  <p:par>
+                    <p:cTn id="21" fill="hold">
+                      <p:stCondLst>
+                        <p:cond delay="indefinite"/>
+                      </p:stCondLst>
+                      <p:childTnLst>
+                        <p:par>
+                          <p:cTn id="22" fill="hold">
+                            <p:stCondLst>
+                              <p:cond delay="0"/>
+                            </p:stCondLst>
+                            <p:childTnLst>
+                              <p:par>
+                                <p:cTn id="23" presetID="1" presetClass="entr" presetSubtype="0" fill="hold" nodeType="clickEffect">
+                                  <p:stCondLst>
+                                    <p:cond delay="0"/>
+                                  </p:stCondLst>
+                                  <p:childTnLst>
+                                    <p:set>
+                                      <p:cBhvr>
+                                        <p:cTn id="24" dur="1" fill="hold">
+                                          <p:stCondLst>
+                                            <p:cond delay="0"/>
+                                          </p:stCondLst>
+                                        </p:cTn>
+                                        <p:tgtEl>
+                                          <p:spTgt spid="3">
+                                            <p:txEl>
+                                              <p:pRg st="6" end="6"/>
+                                            </p:txEl>
+                                          </p:spTgt>
+                                        </p:tgtEl>
+                                        <p:attrNameLst>
+                                          <p:attrName>style.visibility</p:attrName>
+                                        </p:attrNameLst>
+                                      </p:cBhvr>
+                                      <p:to>
+                                        <p:strVal val="visible"/>
+                                      </p:to>
+                                    </p:set>
+                                  </p:childTnLst>
+                                </p:cTn>
+                              </p:par>
+                              <p:par>
+                                <p:cTn id="25" presetID="1" presetClass="entr" presetSubtype="0" fill="hold" nodeType="withEffect">
+                                  <p:stCondLst>
+                                    <p:cond delay="0"/>
+                                  </p:stCondLst>
+                                  <p:childTnLst>
+                                    <p:set>
+                                      <p:cBhvr>
+                                        <p:cTn id="26" dur="1" fill="hold">
+                                          <p:stCondLst>
+                                            <p:cond delay="0"/>
+                                          </p:stCondLst>
+                                        </p:cTn>
+                                        <p:tgtEl>
+                                          <p:spTgt spid="3">
+                                            <p:txEl>
+                                              <p:pRg st="7" end="7"/>
                                             </p:txEl>
                                           </p:spTgt>
                                         </p:tgtEl>
@@ -11724,7 +11801,7 @@
           <a:p>
             <a:r>
               <a:rPr lang="en-GB" dirty="0" smtClean="0"/>
-              <a:t>Feedback and follow-up</a:t>
+              <a:t>Getting access to ARCHER</a:t>
             </a:r>
             <a:endParaRPr lang="en-GB" dirty="0"/>
           </a:p>
@@ -11740,69 +11817,187 @@
             <p:ph idx="1"/>
           </p:nvPr>
         </p:nvSpPr>
-        <p:spPr/>
-        <p:txBody>
-          <a:bodyPr/>
+        <p:spPr>
+          <a:xfrm>
+            <a:off x="457200" y="1447800"/>
+            <a:ext cx="8229600" cy="4343400"/>
+          </a:xfrm>
+        </p:spPr>
+        <p:txBody>
+          <a:bodyPr>
+            <a:normAutofit fontScale="85000" lnSpcReduction="20000"/>
+          </a:bodyPr>
           <a:lstStyle/>
           <a:p>
-            <a:endParaRPr lang="en-GB" dirty="0" smtClean="0"/>
-          </a:p>
-          <a:p>
-            <a:r>
-              <a:rPr lang="en-GB" sz="3200" dirty="0" smtClean="0">
-                <a:hlinkClick r:id="rId2"/>
-              </a:rPr>
-              <a:t>http</a:t>
-            </a:r>
-            <a:r>
-              <a:rPr lang="en-GB" sz="3200" dirty="0">
-                <a:hlinkClick r:id="rId2"/>
-              </a:rPr>
-              <a:t>://</a:t>
-            </a:r>
-            <a:r>
-              <a:rPr lang="en-GB" sz="3200" dirty="0" smtClean="0">
-                <a:hlinkClick r:id="rId2"/>
-              </a:rPr>
-              <a:t>www.archer.ac.uk/training/feedback/</a:t>
-            </a:r>
-            <a:endParaRPr lang="en-GB" sz="3200" dirty="0"/>
-          </a:p>
-          <a:p>
-            <a:endParaRPr lang="en-GB" sz="3200" dirty="0"/>
-          </a:p>
-          <a:p>
-            <a:r>
-              <a:rPr lang="en-GB" sz="3200" dirty="0" smtClean="0"/>
-              <a:t>You can ask questions at all virtual tutorials</a:t>
+            <a:r>
+              <a:rPr lang="en-GB" sz="2800" dirty="0"/>
+              <a:t>Standard research grant</a:t>
             </a:r>
           </a:p>
           <a:p>
             <a:pPr lvl="1"/>
             <a:r>
-              <a:rPr lang="en-GB" sz="2800" dirty="0">
-                <a:hlinkClick r:id="rId3"/>
-              </a:rPr>
-              <a:t>http://</a:t>
-            </a:r>
-            <a:r>
-              <a:rPr lang="en-GB" sz="2800" dirty="0" smtClean="0">
-                <a:hlinkClick r:id="rId3"/>
-              </a:rPr>
-              <a:t>www.archer.ac.uk/training/virtual/</a:t>
+              <a:rPr lang="en-GB" sz="2400" dirty="0" smtClean="0"/>
+              <a:t>Request </a:t>
+            </a:r>
+            <a:r>
+              <a:rPr lang="en-GB" sz="2400" dirty="0"/>
+              <a:t>Technical Assessment using form on ARCHER </a:t>
+            </a:r>
+            <a:r>
+              <a:rPr lang="en-GB" sz="2400" dirty="0" smtClean="0"/>
+              <a:t>website</a:t>
+            </a:r>
+          </a:p>
+          <a:p>
+            <a:pPr lvl="1"/>
+            <a:r>
+              <a:rPr lang="en-GB" sz="2400" dirty="0" smtClean="0"/>
+              <a:t>Submit </a:t>
+            </a:r>
+            <a:r>
+              <a:rPr lang="en-GB" sz="2400" dirty="0"/>
+              <a:t>completed TA with notional cost in </a:t>
+            </a:r>
+            <a:r>
+              <a:rPr lang="en-GB" sz="2400" dirty="0" smtClean="0"/>
+              <a:t>Je-S</a:t>
+            </a:r>
+            <a:endParaRPr lang="en-GB" sz="2400" dirty="0"/>
+          </a:p>
+          <a:p>
+            <a:pPr lvl="1"/>
+            <a:r>
+              <a:rPr lang="en-GB" sz="2400" dirty="0" smtClean="0"/>
+              <a:t>Apply </a:t>
+            </a:r>
+            <a:r>
+              <a:rPr lang="en-GB" sz="2400" dirty="0"/>
+              <a:t>for time for maximum of 2 </a:t>
+            </a:r>
+            <a:r>
+              <a:rPr lang="en-GB" sz="2400" dirty="0" smtClean="0"/>
+              <a:t>years</a:t>
+            </a:r>
+          </a:p>
+          <a:p>
+            <a:pPr lvl="5"/>
+            <a:endParaRPr lang="en-GB" sz="1700" dirty="0"/>
+          </a:p>
+          <a:p>
+            <a:r>
+              <a:rPr lang="en-GB" sz="2800" dirty="0" smtClean="0"/>
+              <a:t>ARCHER </a:t>
             </a:r>
             <a:r>
               <a:rPr lang="en-GB" sz="2800" dirty="0"/>
-              <a:t> </a:t>
-            </a:r>
-            <a:endParaRPr lang="en-GB" sz="2800" dirty="0" smtClean="0"/>
+              <a:t>Resource Allocation Panel (</a:t>
+            </a:r>
+            <a:r>
+              <a:rPr lang="en-GB" sz="2800" dirty="0" smtClean="0"/>
+              <a:t>RAP)</a:t>
+            </a:r>
+          </a:p>
+          <a:p>
+            <a:pPr lvl="1"/>
+            <a:r>
+              <a:rPr lang="en-GB" sz="2400" dirty="0" smtClean="0"/>
+              <a:t>Request </a:t>
+            </a:r>
+            <a:r>
+              <a:rPr lang="en-GB" sz="2400" dirty="0"/>
+              <a:t>Technical Assessment using form on ARCHER website</a:t>
+            </a:r>
+          </a:p>
+          <a:p>
+            <a:pPr lvl="1"/>
+            <a:r>
+              <a:rPr lang="en-GB" sz="2400" dirty="0" smtClean="0"/>
+              <a:t>Submit </a:t>
+            </a:r>
+            <a:r>
+              <a:rPr lang="en-GB" sz="2400" dirty="0"/>
+              <a:t>completed TA with RAP </a:t>
+            </a:r>
+            <a:r>
+              <a:rPr lang="en-GB" sz="2400" dirty="0" smtClean="0"/>
+              <a:t>form</a:t>
+            </a:r>
+          </a:p>
+          <a:p>
+            <a:pPr lvl="1"/>
+            <a:r>
+              <a:rPr lang="en-GB" sz="2400" dirty="0" smtClean="0"/>
+              <a:t>Every 4 months</a:t>
+            </a:r>
+          </a:p>
+          <a:p>
+            <a:pPr lvl="7"/>
+            <a:endParaRPr lang="en-GB" sz="1700" dirty="0"/>
+          </a:p>
+          <a:p>
+            <a:r>
+              <a:rPr lang="en-GB" sz="2800" dirty="0" smtClean="0"/>
+              <a:t>Application </a:t>
+            </a:r>
+            <a:r>
+              <a:rPr lang="en-GB" sz="2800" dirty="0"/>
+              <a:t>for computer time </a:t>
+            </a:r>
+            <a:r>
+              <a:rPr lang="en-GB" sz="2800" dirty="0" smtClean="0"/>
+              <a:t>only</a:t>
+            </a:r>
+            <a:endParaRPr lang="en-GB" sz="2800" dirty="0"/>
+          </a:p>
+          <a:p>
+            <a:pPr lvl="1"/>
+            <a:r>
+              <a:rPr lang="en-GB" sz="2400" dirty="0" smtClean="0"/>
+              <a:t>Instant </a:t>
+            </a:r>
+            <a:r>
+              <a:rPr lang="en-GB" sz="2400" dirty="0"/>
+              <a:t>Access – Pump-Priming Time</a:t>
+            </a:r>
+          </a:p>
+          <a:p>
+            <a:pPr lvl="1"/>
+            <a:r>
+              <a:rPr lang="en-GB" sz="2400" dirty="0" smtClean="0"/>
+              <a:t>Request </a:t>
+            </a:r>
+            <a:r>
+              <a:rPr lang="en-GB" sz="2400" dirty="0"/>
+              <a:t>Technical Assessment using form on ARCHER </a:t>
+            </a:r>
+            <a:r>
+              <a:rPr lang="en-GB" sz="2400" dirty="0" smtClean="0"/>
+              <a:t>website</a:t>
+            </a:r>
+          </a:p>
+          <a:p>
+            <a:pPr lvl="1"/>
+            <a:r>
+              <a:rPr lang="en-GB" sz="2400" dirty="0" smtClean="0"/>
+              <a:t>Submit </a:t>
+            </a:r>
+            <a:r>
+              <a:rPr lang="en-GB" sz="2400" dirty="0"/>
+              <a:t>completed TA with 2 page description of </a:t>
+            </a:r>
+            <a:r>
+              <a:rPr lang="en-GB" sz="2400" dirty="0" smtClean="0"/>
+              <a:t>work</a:t>
+            </a:r>
+            <a:endParaRPr lang="en-GB" sz="2400" dirty="0"/>
           </a:p>
         </p:txBody>
       </p:sp>
     </p:spTree>
     <p:extLst>
       <p:ext uri="{BB962C8B-B14F-4D97-AF65-F5344CB8AC3E}">
-        <p14:creationId xmlns:p14="http://schemas.microsoft.com/office/powerpoint/2010/main" val="1604280717"/>
+        <p14:creationId xmlns:p14="http://schemas.microsoft.com/office/powerpoint/2010/main" val="556833411"/>
       </p:ext>
     </p:extLst>
   </p:cSld>
@@ -11853,7 +12048,7 @@
           <a:p>
             <a:r>
               <a:rPr lang="en-GB" dirty="0" smtClean="0"/>
-              <a:t>Getting access to ARCHER</a:t>
+              <a:t>Support and Documentation</a:t>
             </a:r>
             <a:endParaRPr lang="en-GB" dirty="0"/>
           </a:p>
@@ -11871,185 +12066,151 @@
         </p:nvSpPr>
         <p:spPr>
           <a:xfrm>
-            <a:off x="457200" y="1447800"/>
-            <a:ext cx="8229600" cy="4343400"/>
+            <a:off x="457200" y="1600200"/>
+            <a:ext cx="8229600" cy="4267200"/>
           </a:xfrm>
         </p:spPr>
         <p:txBody>
           <a:bodyPr>
-            <a:normAutofit fontScale="85000" lnSpcReduction="20000"/>
+            <a:normAutofit/>
           </a:bodyPr>
           <a:lstStyle/>
           <a:p>
             <a:r>
-              <a:rPr lang="en-GB" sz="2800" dirty="0"/>
-              <a:t>Standard research grant</a:t>
+              <a:rPr lang="en-GB" dirty="0"/>
+              <a:t>Helpdesk</a:t>
             </a:r>
           </a:p>
           <a:p>
             <a:pPr lvl="1"/>
             <a:r>
-              <a:rPr lang="en-GB" sz="2400" dirty="0" smtClean="0"/>
-              <a:t>Request </a:t>
-            </a:r>
-            <a:r>
-              <a:rPr lang="en-GB" sz="2400" dirty="0"/>
-              <a:t>Technical Assessment using form on ARCHER </a:t>
-            </a:r>
-            <a:r>
-              <a:rPr lang="en-GB" sz="2400" dirty="0" smtClean="0"/>
-              <a:t>website</a:t>
-            </a:r>
+              <a:rPr lang="en-GB" dirty="0"/>
+              <a:t>Email </a:t>
+            </a:r>
+            <a:r>
+              <a:rPr lang="en-GB" dirty="0">
+                <a:hlinkClick r:id="rId2"/>
+              </a:rPr>
+              <a:t>support@archer.ac.uk</a:t>
+            </a:r>
+            <a:endParaRPr lang="en-GB" dirty="0"/>
           </a:p>
           <a:p>
             <a:pPr lvl="1"/>
             <a:r>
-              <a:rPr lang="en-GB" sz="2400" dirty="0" smtClean="0"/>
-              <a:t>Submit </a:t>
-            </a:r>
-            <a:r>
-              <a:rPr lang="en-GB" sz="2400" dirty="0"/>
-              <a:t>completed TA with notional cost in </a:t>
-            </a:r>
-            <a:r>
-              <a:rPr lang="en-GB" sz="2400" dirty="0" smtClean="0"/>
-              <a:t>Je-S</a:t>
-            </a:r>
-            <a:endParaRPr lang="en-GB" sz="2400" dirty="0"/>
+              <a:rPr lang="en-GB" dirty="0"/>
+              <a:t>via ARCHER SAFE </a:t>
+            </a:r>
+            <a:r>
+              <a:rPr lang="en-GB" dirty="0">
+                <a:hlinkClick r:id="rId3"/>
+              </a:rPr>
+              <a:t>http://www.archer.ac.uk/safe</a:t>
+            </a:r>
+            <a:endParaRPr lang="en-GB" dirty="0"/>
           </a:p>
           <a:p>
             <a:pPr lvl="1"/>
             <a:r>
-              <a:rPr lang="en-GB" sz="2400" dirty="0" smtClean="0"/>
-              <a:t>Apply </a:t>
-            </a:r>
-            <a:r>
-              <a:rPr lang="en-GB" sz="2400" dirty="0"/>
-              <a:t>for time for maximum of 2 </a:t>
-            </a:r>
-            <a:r>
-              <a:rPr lang="en-GB" sz="2400" dirty="0" smtClean="0"/>
-              <a:t>years</a:t>
-            </a:r>
-          </a:p>
-          <a:p>
-            <a:pPr lvl="5"/>
-            <a:endParaRPr lang="en-GB" sz="1700" dirty="0"/>
-          </a:p>
-          <a:p>
-            <a:r>
-              <a:rPr lang="en-GB" sz="2800" dirty="0" smtClean="0"/>
-              <a:t>ARCHER </a:t>
-            </a:r>
-            <a:r>
-              <a:rPr lang="en-GB" sz="2800" dirty="0"/>
-              <a:t>Resource Allocation Panel (</a:t>
-            </a:r>
-            <a:r>
-              <a:rPr lang="en-GB" sz="2800" dirty="0" smtClean="0"/>
-              <a:t>RAP)</a:t>
-            </a:r>
-          </a:p>
-          <a:p>
-            <a:pPr lvl="1"/>
-            <a:r>
-              <a:rPr lang="en-GB" sz="2400" dirty="0" smtClean="0"/>
-              <a:t>Request </a:t>
-            </a:r>
-            <a:r>
-              <a:rPr lang="en-GB" sz="2400" dirty="0"/>
-              <a:t>Technical Assessment using form on ARCHER website</a:t>
-            </a:r>
-          </a:p>
-          <a:p>
-            <a:pPr lvl="1"/>
-            <a:r>
-              <a:rPr lang="en-GB" sz="2400" dirty="0" smtClean="0"/>
-              <a:t>Submit </a:t>
-            </a:r>
-            <a:r>
-              <a:rPr lang="en-GB" sz="2400" dirty="0"/>
-              <a:t>completed TA with RAP </a:t>
-            </a:r>
-            <a:r>
-              <a:rPr lang="en-GB" sz="2400" dirty="0" smtClean="0"/>
-              <a:t>form</a:t>
-            </a:r>
-          </a:p>
-          <a:p>
-            <a:pPr lvl="1"/>
-            <a:r>
-              <a:rPr lang="en-GB" sz="2400" dirty="0" smtClean="0"/>
-              <a:t>Every 4 months</a:t>
-            </a:r>
-          </a:p>
-          <a:p>
-            <a:pPr lvl="7"/>
-            <a:endParaRPr lang="en-GB" sz="1700" dirty="0"/>
-          </a:p>
-          <a:p>
-            <a:r>
-              <a:rPr lang="en-GB" sz="2800" dirty="0" smtClean="0"/>
-              <a:t>Application </a:t>
-            </a:r>
-            <a:r>
-              <a:rPr lang="en-GB" sz="2800" dirty="0"/>
-              <a:t>for computer time </a:t>
-            </a:r>
-            <a:r>
-              <a:rPr lang="en-GB" sz="2800" dirty="0" smtClean="0"/>
-              <a:t>only</a:t>
-            </a:r>
-            <a:endParaRPr lang="en-GB" sz="2800" dirty="0"/>
-          </a:p>
-          <a:p>
-            <a:pPr lvl="1"/>
-            <a:r>
-              <a:rPr lang="en-GB" sz="2400" dirty="0" smtClean="0"/>
-              <a:t>Instant </a:t>
-            </a:r>
-            <a:r>
-              <a:rPr lang="en-GB" sz="2400" dirty="0"/>
-              <a:t>Access – Pump-Priming Time</a:t>
-            </a:r>
-          </a:p>
-          <a:p>
-            <a:pPr lvl="1"/>
-            <a:r>
-              <a:rPr lang="en-GB" sz="2400" dirty="0" smtClean="0"/>
-              <a:t>Request </a:t>
-            </a:r>
-            <a:r>
-              <a:rPr lang="en-GB" sz="2400" dirty="0"/>
-              <a:t>Technical Assessment using form on ARCHER </a:t>
-            </a:r>
-            <a:r>
-              <a:rPr lang="en-GB" sz="2400" dirty="0" smtClean="0"/>
-              <a:t>website</a:t>
-            </a:r>
-          </a:p>
-          <a:p>
-            <a:pPr lvl="1"/>
-            <a:r>
-              <a:rPr lang="en-GB" sz="2400" dirty="0" smtClean="0"/>
-              <a:t>Submit </a:t>
-            </a:r>
-            <a:r>
-              <a:rPr lang="en-GB" sz="2400" dirty="0"/>
-              <a:t>completed TA with 2 page description of </a:t>
-            </a:r>
-            <a:r>
-              <a:rPr lang="en-GB" sz="2400" dirty="0" smtClean="0"/>
-              <a:t>work</a:t>
-            </a:r>
-            <a:endParaRPr lang="en-GB" sz="2400" dirty="0"/>
+              <a:rPr lang="en-GB" dirty="0"/>
+              <a:t>phone: +44 (0)131 650 5000</a:t>
+            </a:r>
+          </a:p>
+          <a:p>
+            <a:pPr lvl="1">
+              <a:lnSpc>
+                <a:spcPct val="120000"/>
+              </a:lnSpc>
+            </a:pPr>
+            <a:r>
+              <a:rPr lang="en-GB" dirty="0"/>
+              <a:t>By post, to: Liz </a:t>
+            </a:r>
+            <a:r>
+              <a:rPr lang="en-GB" dirty="0" err="1"/>
+              <a:t>Sim</a:t>
+            </a:r>
+            <a:r>
+              <a:rPr lang="en-GB" dirty="0"/>
+              <a:t/>
+            </a:r>
+            <a:br>
+              <a:rPr lang="en-GB" dirty="0"/>
+            </a:br>
+            <a:r>
+              <a:rPr lang="en-GB" dirty="0" smtClean="0"/>
+              <a:t>EPCC, University </a:t>
+            </a:r>
+            <a:r>
+              <a:rPr lang="en-GB" dirty="0"/>
+              <a:t>of Edinburgh</a:t>
+            </a:r>
+            <a:br>
+              <a:rPr lang="en-GB" dirty="0"/>
+            </a:br>
+            <a:r>
+              <a:rPr lang="en-GB" dirty="0" smtClean="0"/>
+              <a:t>JCMB, The </a:t>
+            </a:r>
+            <a:r>
+              <a:rPr lang="en-GB" dirty="0"/>
+              <a:t>King's Buildings</a:t>
+            </a:r>
+            <a:br>
+              <a:rPr lang="en-GB" dirty="0"/>
+            </a:br>
+            <a:r>
+              <a:rPr lang="en-GB" dirty="0"/>
+              <a:t>Mayfield </a:t>
+            </a:r>
+            <a:r>
+              <a:rPr lang="en-GB" dirty="0" smtClean="0"/>
+              <a:t>Road, EDINBURGH, EH9 3JZ</a:t>
+            </a:r>
+            <a:endParaRPr lang="en-GB" dirty="0"/>
+          </a:p>
+          <a:p>
+            <a:r>
+              <a:rPr lang="en-GB" dirty="0">
+                <a:hlinkClick r:id="rId4"/>
+              </a:rPr>
+              <a:t>http://</a:t>
+            </a:r>
+            <a:r>
+              <a:rPr lang="en-GB" dirty="0" smtClean="0">
+                <a:hlinkClick r:id="rId4"/>
+              </a:rPr>
+              <a:t>www.archer.ac.uk/community/techforum/</a:t>
+            </a:r>
+            <a:endParaRPr lang="en-GB" dirty="0" smtClean="0"/>
+          </a:p>
+          <a:p>
+            <a:r>
+              <a:rPr lang="en-GB" dirty="0">
+                <a:hlinkClick r:id="rId5"/>
+              </a:rPr>
+              <a:t>http://www.archer.ac.uk/documentation</a:t>
+            </a:r>
+            <a:r>
+              <a:rPr lang="en-GB" dirty="0" smtClean="0">
+                <a:hlinkClick r:id="rId5"/>
+              </a:rPr>
+              <a:t>/</a:t>
+            </a:r>
+            <a:endParaRPr lang="en-GB" dirty="0" smtClean="0"/>
+          </a:p>
+          <a:p>
+            <a:pPr marL="0" indent="0">
+              <a:buNone/>
+            </a:pPr>
+            <a:endParaRPr lang="en-GB" dirty="0" smtClean="0"/>
           </a:p>
         </p:txBody>
       </p:sp>
     </p:spTree>
     <p:extLst>
       <p:ext uri="{BB962C8B-B14F-4D97-AF65-F5344CB8AC3E}">
-        <p14:creationId xmlns:p14="http://schemas.microsoft.com/office/powerpoint/2010/main" val="556833411"/>
+        <p14:creationId xmlns:p14="http://schemas.microsoft.com/office/powerpoint/2010/main" val="2148354477"/>
       </p:ext>
     </p:extLst>
   </p:cSld>
